--- a/Elasticsearch/01.Elasticsearch简介与学习路线.pptx
+++ b/Elasticsearch/01.Elasticsearch简介与学习路线.pptx
@@ -9,7 +9,7 @@
     <p:notesMasterId r:id="rId5"/>
   </p:notesMasterIdLst>
   <p:handoutMasterIdLst>
-    <p:handoutMasterId r:id="rId19"/>
+    <p:handoutMasterId r:id="rId18"/>
   </p:handoutMasterIdLst>
   <p:sldIdLst>
     <p:sldId id="453" r:id="rId4"/>
@@ -23,9 +23,8 @@
     <p:sldId id="462" r:id="rId13"/>
     <p:sldId id="463" r:id="rId14"/>
     <p:sldId id="465" r:id="rId15"/>
-    <p:sldId id="464" r:id="rId16"/>
-    <p:sldId id="466" r:id="rId17"/>
-    <p:sldId id="467" r:id="rId18"/>
+    <p:sldId id="466" r:id="rId16"/>
+    <p:sldId id="467" r:id="rId17"/>
   </p:sldIdLst>
   <p:sldSz cx="9144000" cy="6858000" type="screen4x3"/>
   <p:notesSz cx="6858000" cy="9144000"/>
@@ -1295,50 +1294,10 @@
           <a:bodyPr/>
           <a:lstStyle/>
           <a:p>
-            <a:pPr marL="0" marR="0" lvl="0" indent="0" algn="r" defTabSz="914400" eaLnBrk="0" fontAlgn="base" latinLnBrk="0" hangingPunct="0">
-              <a:lnSpc>
-                <a:spcPct val="100000"/>
-              </a:lnSpc>
-              <a:spcBef>
-                <a:spcPct val="0"/>
-              </a:spcBef>
-              <a:spcAft>
-                <a:spcPct val="0"/>
-              </a:spcAft>
-              <a:buClrTx/>
-              <a:buSzTx/>
-              <a:buFontTx/>
-              <a:buNone/>
-              <a:defRPr/>
-            </a:pPr>
-            <a:fld id="{39AD698A-D66C-4FA1-BBD8-F72AE9E6E751}" type="slidenum">
-              <a:rPr kumimoji="0" lang="zh-CN" altLang="en-US" sz="1200" b="0" i="0" u="none" strike="noStrike" kern="1200" cap="none" spc="0" normalizeH="0" baseline="0" noProof="0" smtClean="0">
-                <a:ln>
-                  <a:noFill/>
-                </a:ln>
-                <a:solidFill>
-                  <a:prstClr val="black"/>
-                </a:solidFill>
-                <a:effectLst/>
-                <a:uLnTx/>
-                <a:uFillTx/>
-                <a:latin typeface="Calibri" panose="020F0502020204030204" charset="0"/>
-                <a:ea typeface="微软雅黑" panose="020B0503020204020204" pitchFamily="34" charset="-122"/>
-              </a:rPr>
+            <a:fld id="{7EFA0844-A843-4A1A-89C6-D8ADF0E3DC4C}" type="slidenum">
+              <a:rPr lang="zh-CN" altLang="en-US" smtClean="0"/>
             </a:fld>
-            <a:endParaRPr kumimoji="0" lang="zh-CN" altLang="en-US" sz="1200" b="0" i="0" u="none" strike="noStrike" kern="1200" cap="none" spc="0" normalizeH="0" baseline="0" noProof="0">
-              <a:ln>
-                <a:noFill/>
-              </a:ln>
-              <a:solidFill>
-                <a:prstClr val="black"/>
-              </a:solidFill>
-              <a:effectLst/>
-              <a:uLnTx/>
-              <a:uFillTx/>
-              <a:latin typeface="Calibri" panose="020F0502020204030204" charset="0"/>
-              <a:ea typeface="微软雅黑" panose="020B0503020204020204" pitchFamily="34" charset="-122"/>
-            </a:endParaRPr>
+            <a:endParaRPr lang="zh-CN" altLang="en-US"/>
           </a:p>
         </p:txBody>
       </p:sp>
@@ -1351,89 +1310,6 @@
 </file>
 
 <file path=ppt/notesSlides/notesSlide13.xml><?xml version="1.0" encoding="utf-8"?>
-<p:notes xmlns:a="http://schemas.openxmlformats.org/drawingml/2006/main" xmlns:r="http://schemas.openxmlformats.org/officeDocument/2006/relationships" xmlns:p="http://schemas.openxmlformats.org/presentationml/2006/main">
-  <p:cSld>
-    <p:spTree>
-      <p:nvGrpSpPr>
-        <p:cNvPr id="1" name=""/>
-        <p:cNvGrpSpPr/>
-        <p:nvPr/>
-      </p:nvGrpSpPr>
-      <p:grpSpPr>
-        <a:xfrm>
-          <a:off x="0" y="0"/>
-          <a:ext cx="0" cy="0"/>
-          <a:chOff x="0" y="0"/>
-          <a:chExt cx="0" cy="0"/>
-        </a:xfrm>
-      </p:grpSpPr>
-      <p:sp>
-        <p:nvSpPr>
-          <p:cNvPr id="2" name="幻灯片图像占位符 1"/>
-          <p:cNvSpPr>
-            <a:spLocks noGrp="1" noRot="1" noChangeAspect="1"/>
-          </p:cNvSpPr>
-          <p:nvPr>
-            <p:ph type="sldImg"/>
-          </p:nvPr>
-        </p:nvSpPr>
-        <p:spPr>
-          <a:xfrm>
-            <a:off x="1371600" y="1143000"/>
-            <a:ext cx="4114800" cy="3086100"/>
-          </a:xfrm>
-        </p:spPr>
-      </p:sp>
-      <p:sp>
-        <p:nvSpPr>
-          <p:cNvPr id="3" name="备注占位符 2"/>
-          <p:cNvSpPr>
-            <a:spLocks noGrp="1"/>
-          </p:cNvSpPr>
-          <p:nvPr>
-            <p:ph type="body" idx="1"/>
-          </p:nvPr>
-        </p:nvSpPr>
-        <p:spPr/>
-        <p:txBody>
-          <a:bodyPr/>
-          <a:lstStyle/>
-          <a:p>
-            <a:endParaRPr lang="zh-CN" altLang="en-US"/>
-          </a:p>
-        </p:txBody>
-      </p:sp>
-      <p:sp>
-        <p:nvSpPr>
-          <p:cNvPr id="4" name="灯片编号占位符 3"/>
-          <p:cNvSpPr>
-            <a:spLocks noGrp="1"/>
-          </p:cNvSpPr>
-          <p:nvPr>
-            <p:ph type="sldNum" sz="quarter" idx="10"/>
-          </p:nvPr>
-        </p:nvSpPr>
-        <p:spPr/>
-        <p:txBody>
-          <a:bodyPr/>
-          <a:lstStyle/>
-          <a:p>
-            <a:fld id="{7EFA0844-A843-4A1A-89C6-D8ADF0E3DC4C}" type="slidenum">
-              <a:rPr lang="zh-CN" altLang="en-US" smtClean="0"/>
-            </a:fld>
-            <a:endParaRPr lang="zh-CN" altLang="en-US"/>
-          </a:p>
-        </p:txBody>
-      </p:sp>
-    </p:spTree>
-  </p:cSld>
-  <p:clrMapOvr>
-    <a:masterClrMapping/>
-  </p:clrMapOvr>
-</p:notes>
-</file>
-
-<file path=ppt/notesSlides/notesSlide14.xml><?xml version="1.0" encoding="utf-8"?>
 <p:notes xmlns:a="http://schemas.openxmlformats.org/drawingml/2006/main" xmlns:r="http://schemas.openxmlformats.org/officeDocument/2006/relationships" xmlns:p="http://schemas.openxmlformats.org/presentationml/2006/main">
   <p:cSld>
     <p:spTree>
@@ -10779,137 +10655,6 @@
       </p:grpSpPr>
       <p:sp>
         <p:nvSpPr>
-          <p:cNvPr id="2" name="标题 1"/>
-          <p:cNvSpPr>
-            <a:spLocks noGrp="1"/>
-          </p:cNvSpPr>
-          <p:nvPr>
-            <p:ph type="title"/>
-            <p:custDataLst>
-              <p:tags r:id="rId1"/>
-            </p:custDataLst>
-          </p:nvPr>
-        </p:nvSpPr>
-        <p:spPr/>
-        <p:txBody>
-          <a:bodyPr/>
-          <a:lstStyle/>
-          <a:p>
-            <a:r>
-              <a:rPr lang="en-US" altLang="zh-CN">
-                <a:sym typeface="+mn-ea"/>
-              </a:rPr>
-              <a:t>E</a:t>
-            </a:r>
-            <a:r>
-              <a:rPr lang="zh-CN" altLang="en-US">
-                <a:sym typeface="+mn-ea"/>
-              </a:rPr>
-              <a:t>lasticsearch简介</a:t>
-            </a:r>
-            <a:endParaRPr lang="zh-CN" altLang="en-US"/>
-          </a:p>
-        </p:txBody>
-      </p:sp>
-      <p:sp>
-        <p:nvSpPr>
-          <p:cNvPr id="3" name="内容占位符 2"/>
-          <p:cNvSpPr>
-            <a:spLocks noGrp="1"/>
-          </p:cNvSpPr>
-          <p:nvPr>
-            <p:ph idx="1"/>
-            <p:custDataLst>
-              <p:tags r:id="rId2"/>
-            </p:custDataLst>
-          </p:nvPr>
-        </p:nvSpPr>
-        <p:spPr/>
-        <p:txBody>
-          <a:bodyPr>
-            <a:normAutofit lnSpcReduction="10000"/>
-          </a:bodyPr>
-          <a:lstStyle/>
-          <a:p>
-            <a:pPr marL="0" indent="0">
-              <a:buNone/>
-            </a:pPr>
-            <a:r>
-              <a:rPr lang="zh-CN" altLang="en-US" b="1"/>
-              <a:t>1.</a:t>
-            </a:r>
-            <a:r>
-              <a:rPr lang="en-US" altLang="zh-CN" b="1"/>
-              <a:t>6</a:t>
-            </a:r>
-            <a:r>
-              <a:rPr lang="zh-CN" altLang="en-US" b="1"/>
-              <a:t> ES数据架构的主要概念（与关系数据库Mysql对比）</a:t>
-            </a:r>
-            <a:endParaRPr lang="zh-CN" altLang="en-US" b="1"/>
-          </a:p>
-          <a:p>
-            <a:pPr marL="0" indent="0">
-              <a:buNone/>
-            </a:pPr>
-            <a:endParaRPr lang="zh-CN" altLang="en-US" sz="1400" b="1"/>
-          </a:p>
-        </p:txBody>
-      </p:sp>
-      <p:pic>
-        <p:nvPicPr>
-          <p:cNvPr id="5" name="图片 4"/>
-          <p:cNvPicPr>
-            <a:picLocks noChangeAspect="1"/>
-          </p:cNvPicPr>
-          <p:nvPr/>
-        </p:nvPicPr>
-        <p:blipFill>
-          <a:blip r:embed="rId3"/>
-          <a:stretch>
-            <a:fillRect/>
-          </a:stretch>
-        </p:blipFill>
-        <p:spPr>
-          <a:xfrm>
-            <a:off x="742950" y="2261870"/>
-            <a:ext cx="7467600" cy="4406265"/>
-          </a:xfrm>
-          <a:prstGeom prst="rect">
-            <a:avLst/>
-          </a:prstGeom>
-        </p:spPr>
-      </p:pic>
-    </p:spTree>
-    <p:custDataLst>
-      <p:tags r:id="rId4"/>
-    </p:custDataLst>
-  </p:cSld>
-  <p:clrMapOvr>
-    <a:masterClrMapping/>
-  </p:clrMapOvr>
-</p:sld>
-</file>
-
-<file path=ppt/slides/slide13.xml><?xml version="1.0" encoding="utf-8"?>
-<p:sld xmlns:a="http://schemas.openxmlformats.org/drawingml/2006/main" xmlns:r="http://schemas.openxmlformats.org/officeDocument/2006/relationships" xmlns:p="http://schemas.openxmlformats.org/presentationml/2006/main">
-  <p:cSld>
-    <p:spTree>
-      <p:nvGrpSpPr>
-        <p:cNvPr id="1" name=""/>
-        <p:cNvGrpSpPr/>
-        <p:nvPr/>
-      </p:nvGrpSpPr>
-      <p:grpSpPr>
-        <a:xfrm>
-          <a:off x="0" y="0"/>
-          <a:ext cx="0" cy="0"/>
-          <a:chOff x="0" y="0"/>
-          <a:chExt cx="0" cy="0"/>
-        </a:xfrm>
-      </p:grpSpPr>
-      <p:sp>
-        <p:nvSpPr>
           <p:cNvPr id="4" name="标题 3"/>
           <p:cNvSpPr>
             <a:spLocks noGrp="1"/>
@@ -10973,7 +10718,7 @@
 </p:sld>
 </file>
 
-<file path=ppt/slides/slide14.xml><?xml version="1.0" encoding="utf-8"?>
+<file path=ppt/slides/slide13.xml><?xml version="1.0" encoding="utf-8"?>
 <p:sld xmlns:a="http://schemas.openxmlformats.org/drawingml/2006/main" xmlns:r="http://schemas.openxmlformats.org/officeDocument/2006/relationships" xmlns:p="http://schemas.openxmlformats.org/presentationml/2006/main">
   <p:cSld>
     <p:spTree>
@@ -15424,66 +15169,6 @@
   <p:tag name="KSO_WM_TEMPLATE_INDEX" val="20186830"/>
   <p:tag name="KSO_WM_TAG_VERSION" val="1.0"/>
   <p:tag name="KSO_WM_BEAUTIFY_FLAG" val="#wm#"/>
-  <p:tag name="KSO_WM_UNIT_COMPATIBLE" val="0"/>
-  <p:tag name="KSO_WM_UNIT_HIGHLIGHT" val="0"/>
-  <p:tag name="KSO_WM_UNIT_ISCONTENTSTITLE" val="0"/>
-  <p:tag name="KSO_WM_UNIT_VALUE" val="36"/>
-  <p:tag name="KSO_WM_UNIT_LAYERLEVEL" val="1"/>
-  <p:tag name="KSO_WM_UNIT_INDEX" val="1"/>
-  <p:tag name="KSO_WM_UNIT_ID" val="custom20186830_2*a*1"/>
-  <p:tag name="KSO_WM_UNIT_TYPE" val="a"/>
-  <p:tag name="KSO_WM_UNIT_PRESET_TEXT" val="单击此处添加标题"/>
-  <p:tag name="KSO_WM_UNIT_NOCLEAR" val="0"/>
-  <p:tag name="KSO_WM_UNIT_DIAGRAM_ISNUMVISUAL" val="0"/>
-  <p:tag name="KSO_WM_UNIT_DIAGRAM_ISREFERUNIT" val="0"/>
-</p:tagLst>
-</file>
-
-<file path=ppt/tags/tag126.xml><?xml version="1.0" encoding="utf-8"?>
-<p:tagLst xmlns:p="http://schemas.openxmlformats.org/presentationml/2006/main">
-  <p:tag name="KSO_WM_TEMPLATE_CATEGORY" val="custom"/>
-  <p:tag name="KSO_WM_TEMPLATE_INDEX" val="20186830"/>
-  <p:tag name="KSO_WM_TAG_VERSION" val="1.0"/>
-  <p:tag name="KSO_WM_BEAUTIFY_FLAG" val="#wm#"/>
-  <p:tag name="KSO_WM_UNIT_COMPATIBLE" val="0"/>
-  <p:tag name="KSO_WM_UNIT_HIGHLIGHT" val="0"/>
-  <p:tag name="KSO_WM_UNIT_VALUE" val="225"/>
-  <p:tag name="KSO_WM_UNIT_LAYERLEVEL" val="1"/>
-  <p:tag name="KSO_WM_UNIT_INDEX" val="1"/>
-  <p:tag name="KSO_WM_UNIT_ID" val="custom20186830_2*f*1"/>
-  <p:tag name="KSO_WM_UNIT_TYPE" val="f"/>
-  <p:tag name="KSO_WM_UNIT_PRESET_TEXT" val="单击此处添加文本具体内容，简明扼要的阐述您的观点。根据需要可酌情增减文字，以便观者准确的理解您传达的思想。单击此处添加文本具体内容，简明扼要的阐述您的观点。根据需要可酌情增减文字，以便观者准确的理解您传达的思想。"/>
-  <p:tag name="KSO_WM_UNIT_NOCLEAR" val="0"/>
-  <p:tag name="KSO_WM_UNIT_DIAGRAM_ISNUMVISUAL" val="0"/>
-  <p:tag name="KSO_WM_UNIT_DIAGRAM_ISREFERUNIT" val="0"/>
-</p:tagLst>
-</file>
-
-<file path=ppt/tags/tag127.xml><?xml version="1.0" encoding="utf-8"?>
-<p:tagLst xmlns:p="http://schemas.openxmlformats.org/presentationml/2006/main">
-  <p:tag name="KSO_WM_SLIDE_SIZE" val="621*457"/>
-  <p:tag name="KSO_WM_SLIDE_POSITION" val="49*28"/>
-  <p:tag name="KSO_WM_SLIDE_LAYOUT_CNT" val="1_1"/>
-  <p:tag name="KSO_WM_SLIDE_LAYOUT" val="a_f"/>
-  <p:tag name="KSO_WM_BEAUTIFY_FLAG" val="#wm#"/>
-  <p:tag name="KSO_WM_SLIDE_TYPE" val="text"/>
-  <p:tag name="KSO_WM_SLIDE_ITEM_CNT" val="0"/>
-  <p:tag name="KSO_WM_SLIDE_INDEX" val="2"/>
-  <p:tag name="KSO_WM_SLIDE_ID" val="custom20186830_2"/>
-  <p:tag name="KSO_WM_TAG_VERSION" val="1.0"/>
-  <p:tag name="KSO_WM_TEMPLATE_INDEX" val="20186830"/>
-  <p:tag name="KSO_WM_TEMPLATE_CATEGORY" val="custom"/>
-  <p:tag name="KSO_WM_SLIDE_SUBTYPE" val="pureTxt"/>
-  <p:tag name="KSO_WM_TEMPLATE_SUBCATEGORY" val="0"/>
-</p:tagLst>
-</file>
-
-<file path=ppt/tags/tag128.xml><?xml version="1.0" encoding="utf-8"?>
-<p:tagLst xmlns:p="http://schemas.openxmlformats.org/presentationml/2006/main">
-  <p:tag name="KSO_WM_TEMPLATE_CATEGORY" val="custom"/>
-  <p:tag name="KSO_WM_TEMPLATE_INDEX" val="20186830"/>
-  <p:tag name="KSO_WM_TAG_VERSION" val="1.0"/>
-  <p:tag name="KSO_WM_BEAUTIFY_FLAG" val="#wm#"/>
   <p:tag name="KSO_WM_UNIT_TYPE" val="a"/>
   <p:tag name="KSO_WM_UNIT_INDEX" val="1"/>
   <p:tag name="KSO_WM_UNIT_LAYERLEVEL" val="1"/>
@@ -15499,7 +15184,7 @@
 </p:tagLst>
 </file>
 
-<file path=ppt/tags/tag129.xml><?xml version="1.0" encoding="utf-8"?>
+<file path=ppt/tags/tag126.xml><?xml version="1.0" encoding="utf-8"?>
 <p:tagLst xmlns:p="http://schemas.openxmlformats.org/presentationml/2006/main">
   <p:tag name="KSO_WM_TEMPLATE_CATEGORY" val="custom"/>
   <p:tag name="KSO_WM_TEMPLATE_INDEX" val="20186830"/>
@@ -15519,19 +15204,7 @@
 </p:tagLst>
 </file>
 
-<file path=ppt/tags/tag13.xml><?xml version="1.0" encoding="utf-8"?>
-<p:tagLst xmlns:p="http://schemas.openxmlformats.org/presentationml/2006/main">
-  <p:tag name="KSO_WM_TAG_VERSION" val="1.0"/>
-  <p:tag name="KSO_WM_BEAUTIFY_FLAG" val="#wm#"/>
-  <p:tag name="KSO_WM_UNIT_TYPE" val="i"/>
-  <p:tag name="KSO_WM_UNIT_ID" val="custom20184556_22*i*4"/>
-  <p:tag name="KSO_WM_TEMPLATE_CATEGORY" val="custom"/>
-  <p:tag name="KSO_WM_TEMPLATE_INDEX" val="20184556"/>
-  <p:tag name="KSO_WM_UNIT_INDEX" val="4"/>
-</p:tagLst>
-</file>
-
-<file path=ppt/tags/tag130.xml><?xml version="1.0" encoding="utf-8"?>
+<file path=ppt/tags/tag127.xml><?xml version="1.0" encoding="utf-8"?>
 <p:tagLst xmlns:p="http://schemas.openxmlformats.org/presentationml/2006/main">
   <p:tag name="KSO_WM_TAG_VERSION" val="1.0"/>
   <p:tag name="KSO_WM_SLIDE_ITEM_CNT" val="0"/>
@@ -15549,7 +15222,7 @@
 </p:tagLst>
 </file>
 
-<file path=ppt/tags/tag131.xml><?xml version="1.0" encoding="utf-8"?>
+<file path=ppt/tags/tag128.xml><?xml version="1.0" encoding="utf-8"?>
 <p:tagLst xmlns:p="http://schemas.openxmlformats.org/presentationml/2006/main">
   <p:tag name="KSO_WM_TEMPLATE_CATEGORY" val="custom"/>
   <p:tag name="KSO_WM_TEMPLATE_INDEX" val="20186830"/>
@@ -15570,7 +15243,7 @@
 </p:tagLst>
 </file>
 
-<file path=ppt/tags/tag132.xml><?xml version="1.0" encoding="utf-8"?>
+<file path=ppt/tags/tag129.xml><?xml version="1.0" encoding="utf-8"?>
 <p:tagLst xmlns:p="http://schemas.openxmlformats.org/presentationml/2006/main">
   <p:tag name="KSO_WM_TEMPLATE_CATEGORY" val="custom"/>
   <p:tag name="KSO_WM_TEMPLATE_INDEX" val="20186830"/>
@@ -15590,7 +15263,19 @@
 </p:tagLst>
 </file>
 
-<file path=ppt/tags/tag133.xml><?xml version="1.0" encoding="utf-8"?>
+<file path=ppt/tags/tag13.xml><?xml version="1.0" encoding="utf-8"?>
+<p:tagLst xmlns:p="http://schemas.openxmlformats.org/presentationml/2006/main">
+  <p:tag name="KSO_WM_TAG_VERSION" val="1.0"/>
+  <p:tag name="KSO_WM_BEAUTIFY_FLAG" val="#wm#"/>
+  <p:tag name="KSO_WM_UNIT_TYPE" val="i"/>
+  <p:tag name="KSO_WM_UNIT_ID" val="custom20184556_22*i*4"/>
+  <p:tag name="KSO_WM_TEMPLATE_CATEGORY" val="custom"/>
+  <p:tag name="KSO_WM_TEMPLATE_INDEX" val="20184556"/>
+  <p:tag name="KSO_WM_UNIT_INDEX" val="4"/>
+</p:tagLst>
+</file>
+
+<file path=ppt/tags/tag130.xml><?xml version="1.0" encoding="utf-8"?>
 <p:tagLst xmlns:p="http://schemas.openxmlformats.org/presentationml/2006/main">
   <p:tag name="KSO_WM_TEMPLATE_CATEGORY" val="custom"/>
   <p:tag name="KSO_WM_TEMPLATE_INDEX" val="20186830"/>
@@ -15610,7 +15295,7 @@
 </p:tagLst>
 </file>
 
-<file path=ppt/tags/tag134.xml><?xml version="1.0" encoding="utf-8"?>
+<file path=ppt/tags/tag131.xml><?xml version="1.0" encoding="utf-8"?>
 <p:tagLst xmlns:p="http://schemas.openxmlformats.org/presentationml/2006/main">
   <p:tag name="KSO_WM_SLIDE_SIZE" val="621*457"/>
   <p:tag name="KSO_WM_SLIDE_POSITION" val="49*28"/>
